--- a/Slides Pretty.pptx
+++ b/Slides Pretty.pptx
@@ -27,20 +27,20 @@
   <p:notesSz cx="6858000" cy="9144000"/>
   <p:embeddedFontLst>
     <p:embeddedFont>
-      <p:font typeface="Barlow" pitchFamily="2" charset="77"/>
+      <p:font typeface="Barlow" panose="00000500000000000000" pitchFamily="2" charset="0"/>
       <p:regular r:id="rId17"/>
       <p:bold r:id="rId18"/>
       <p:italic r:id="rId19"/>
       <p:boldItalic r:id="rId20"/>
     </p:embeddedFont>
     <p:embeddedFont>
-      <p:font typeface="Barlow Condensed ExtraBold" panose="020F0502020204030204" pitchFamily="34" charset="0"/>
+      <p:font typeface="Barlow Condensed ExtraBold" panose="00000906000000000000" pitchFamily="2" charset="0"/>
       <p:bold r:id="rId21"/>
       <p:italic r:id="rId22"/>
       <p:boldItalic r:id="rId23"/>
     </p:embeddedFont>
     <p:embeddedFont>
-      <p:font typeface="Barlow Medium" panose="020F0502020204030204" pitchFamily="34" charset="0"/>
+      <p:font typeface="Barlow Medium" panose="00000600000000000000" pitchFamily="2" charset="0"/>
       <p:regular r:id="rId24"/>
       <p:bold r:id="rId25"/>
       <p:italic r:id="rId26"/>
@@ -46361,66 +46361,6 @@
           <a:chExt cx="0" cy="0"/>
         </a:xfrm>
       </p:grpSpPr>
-      <p:pic>
-        <p:nvPicPr>
-          <p:cNvPr id="12" name="Picture 11">
-            <a:extLst>
-              <a:ext uri="{FF2B5EF4-FFF2-40B4-BE49-F238E27FC236}">
-                <a16:creationId xmlns:a16="http://schemas.microsoft.com/office/drawing/2014/main" id="{31BD2F73-525E-A54D-934B-C3D564E2B408}"/>
-              </a:ext>
-            </a:extLst>
-          </p:cNvPr>
-          <p:cNvPicPr>
-            <a:picLocks noChangeAspect="1"/>
-          </p:cNvPicPr>
-          <p:nvPr/>
-        </p:nvPicPr>
-        <p:blipFill>
-          <a:blip r:embed="rId3"/>
-          <a:stretch>
-            <a:fillRect/>
-          </a:stretch>
-        </p:blipFill>
-        <p:spPr>
-          <a:xfrm>
-            <a:off x="550875" y="3193178"/>
-            <a:ext cx="3934000" cy="1040023"/>
-          </a:xfrm>
-          <a:prstGeom prst="rect">
-            <a:avLst/>
-          </a:prstGeom>
-        </p:spPr>
-      </p:pic>
-      <p:pic>
-        <p:nvPicPr>
-          <p:cNvPr id="6" name="Picture 5">
-            <a:extLst>
-              <a:ext uri="{FF2B5EF4-FFF2-40B4-BE49-F238E27FC236}">
-                <a16:creationId xmlns:a16="http://schemas.microsoft.com/office/drawing/2014/main" id="{30091FF1-1AAB-8B4E-8FEC-A6C0321351A2}"/>
-              </a:ext>
-            </a:extLst>
-          </p:cNvPr>
-          <p:cNvPicPr>
-            <a:picLocks noChangeAspect="1"/>
-          </p:cNvPicPr>
-          <p:nvPr/>
-        </p:nvPicPr>
-        <p:blipFill>
-          <a:blip r:embed="rId4"/>
-          <a:stretch>
-            <a:fillRect/>
-          </a:stretch>
-        </p:blipFill>
-        <p:spPr>
-          <a:xfrm>
-            <a:off x="982693" y="2429322"/>
-            <a:ext cx="3084808" cy="391032"/>
-          </a:xfrm>
-          <a:prstGeom prst="rect">
-            <a:avLst/>
-          </a:prstGeom>
-        </p:spPr>
-      </p:pic>
       <p:sp>
         <p:nvSpPr>
           <p:cNvPr id="398" name="Google Shape;398;p57"/>
@@ -46514,7 +46454,15 @@
             </a:pPr>
             <a:r>
               <a:rPr lang="en-US" sz="1400" dirty="0"/>
-              <a:t>The model function also allows specification of a test dataset – used to perform additional validation alongside OOB set</a:t>
+              <a:t>The </a:t>
+            </a:r>
+            <a:r>
+              <a:rPr lang="en-US" sz="1400" dirty="0" err="1"/>
+              <a:t>randomForest</a:t>
+            </a:r>
+            <a:r>
+              <a:rPr lang="en-US" sz="1400" dirty="0"/>
+              <a:t> function also allows specification of a test dataset – used to perform additional validation alongside OOB set</a:t>
             </a:r>
           </a:p>
           <a:p>
@@ -46535,10 +46483,10 @@
       </p:sp>
       <p:pic>
         <p:nvPicPr>
-          <p:cNvPr id="4" name="Picture 3">
+          <p:cNvPr id="3" name="Picture 2">
             <a:extLst>
               <a:ext uri="{FF2B5EF4-FFF2-40B4-BE49-F238E27FC236}">
-                <a16:creationId xmlns:a16="http://schemas.microsoft.com/office/drawing/2014/main" id="{15BF528F-2064-874F-973E-D673365CC62A}"/>
+                <a16:creationId xmlns:a16="http://schemas.microsoft.com/office/drawing/2014/main" id="{C893C5FD-2CD7-4A9F-83EF-BE98EFBEE265}"/>
               </a:ext>
             </a:extLst>
           </p:cNvPr>
@@ -46548,15 +46496,15 @@
           <p:nvPr/>
         </p:nvPicPr>
         <p:blipFill>
-          <a:blip r:embed="rId5"/>
+          <a:blip r:embed="rId3"/>
           <a:stretch>
             <a:fillRect/>
           </a:stretch>
         </p:blipFill>
         <p:spPr>
           <a:xfrm>
-            <a:off x="990857" y="1538586"/>
-            <a:ext cx="3432393" cy="977580"/>
+            <a:off x="781625" y="645000"/>
+            <a:ext cx="3886200" cy="1143000"/>
           </a:xfrm>
           <a:prstGeom prst="rect">
             <a:avLst/>
@@ -46565,14 +46513,20 @@
       </p:pic>
       <p:sp>
         <p:nvSpPr>
-          <p:cNvPr id="393" name="Google Shape;393;p57"/>
+          <p:cNvPr id="11" name="Google Shape;393;p57">
+            <a:extLst>
+              <a:ext uri="{FF2B5EF4-FFF2-40B4-BE49-F238E27FC236}">
+                <a16:creationId xmlns:a16="http://schemas.microsoft.com/office/drawing/2014/main" id="{B4CAF76A-67F7-42DD-AFBE-2AFD2868D7BD}"/>
+              </a:ext>
+            </a:extLst>
+          </p:cNvPr>
           <p:cNvSpPr/>
           <p:nvPr/>
         </p:nvSpPr>
         <p:spPr>
           <a:xfrm>
-            <a:off x="945750" y="1463350"/>
-            <a:ext cx="3293400" cy="1436486"/>
+            <a:off x="790325" y="645000"/>
+            <a:ext cx="3877500" cy="1143000"/>
           </a:xfrm>
           <a:prstGeom prst="rect">
             <a:avLst/>
@@ -46607,12 +46561,42 @@
           </a:p>
         </p:txBody>
       </p:sp>
+      <p:pic>
+        <p:nvPicPr>
+          <p:cNvPr id="7" name="Picture 6">
+            <a:extLst>
+              <a:ext uri="{FF2B5EF4-FFF2-40B4-BE49-F238E27FC236}">
+                <a16:creationId xmlns:a16="http://schemas.microsoft.com/office/drawing/2014/main" id="{0FE7575D-7CB2-42DB-A50D-314DACAA4753}"/>
+              </a:ext>
+            </a:extLst>
+          </p:cNvPr>
+          <p:cNvPicPr>
+            <a:picLocks noChangeAspect="1"/>
+          </p:cNvPicPr>
+          <p:nvPr/>
+        </p:nvPicPr>
+        <p:blipFill>
+          <a:blip r:embed="rId4"/>
+          <a:stretch>
+            <a:fillRect/>
+          </a:stretch>
+        </p:blipFill>
+        <p:spPr>
+          <a:xfrm>
+            <a:off x="305375" y="2022251"/>
+            <a:ext cx="4362450" cy="1162050"/>
+          </a:xfrm>
+          <a:prstGeom prst="rect">
+            <a:avLst/>
+          </a:prstGeom>
+        </p:spPr>
+      </p:pic>
       <p:sp>
         <p:nvSpPr>
-          <p:cNvPr id="20" name="Google Shape;393;p57">
+          <p:cNvPr id="14" name="Google Shape;393;p57">
             <a:extLst>
               <a:ext uri="{FF2B5EF4-FFF2-40B4-BE49-F238E27FC236}">
-                <a16:creationId xmlns:a16="http://schemas.microsoft.com/office/drawing/2014/main" id="{24E62A61-0260-8845-A114-137A117D79FE}"/>
+                <a16:creationId xmlns:a16="http://schemas.microsoft.com/office/drawing/2014/main" id="{DEE1CDBF-76CC-49A7-8A99-F61A912CA1CF}"/>
               </a:ext>
             </a:extLst>
           </p:cNvPr>
@@ -46621,8 +46605,88 @@
         </p:nvSpPr>
         <p:spPr>
           <a:xfrm>
-            <a:off x="550874" y="3193178"/>
-            <a:ext cx="3933999" cy="1040023"/>
+            <a:off x="305375" y="2023665"/>
+            <a:ext cx="4362450" cy="1162050"/>
+          </a:xfrm>
+          <a:prstGeom prst="rect">
+            <a:avLst/>
+          </a:prstGeom>
+          <a:noFill/>
+          <a:ln w="28575" cap="flat" cmpd="sng">
+            <a:solidFill>
+              <a:schemeClr val="dk2"/>
+            </a:solidFill>
+            <a:prstDash val="solid"/>
+            <a:round/>
+            <a:headEnd type="none" w="sm" len="sm"/>
+            <a:tailEnd type="none" w="sm" len="sm"/>
+          </a:ln>
+        </p:spPr>
+        <p:txBody>
+          <a:bodyPr spcFirstLastPara="1" wrap="square" lIns="91425" tIns="91425" rIns="91425" bIns="91425" anchor="ctr" anchorCtr="0">
+            <a:noAutofit/>
+          </a:bodyPr>
+          <a:lstStyle/>
+          <a:p>
+            <a:pPr marL="0" lvl="0" indent="0" algn="l" rtl="0">
+              <a:spcBef>
+                <a:spcPts val="0"/>
+              </a:spcBef>
+              <a:spcAft>
+                <a:spcPts val="0"/>
+              </a:spcAft>
+              <a:buNone/>
+            </a:pPr>
+            <a:endParaRPr/>
+          </a:p>
+        </p:txBody>
+      </p:sp>
+      <p:pic>
+        <p:nvPicPr>
+          <p:cNvPr id="9" name="Picture 8">
+            <a:extLst>
+              <a:ext uri="{FF2B5EF4-FFF2-40B4-BE49-F238E27FC236}">
+                <a16:creationId xmlns:a16="http://schemas.microsoft.com/office/drawing/2014/main" id="{6BF88CEB-E4E2-4EBE-9D75-360588D12376}"/>
+              </a:ext>
+            </a:extLst>
+          </p:cNvPr>
+          <p:cNvPicPr>
+            <a:picLocks noChangeAspect="1"/>
+          </p:cNvPicPr>
+          <p:nvPr/>
+        </p:nvPicPr>
+        <p:blipFill>
+          <a:blip r:embed="rId5"/>
+          <a:stretch>
+            <a:fillRect/>
+          </a:stretch>
+        </p:blipFill>
+        <p:spPr>
+          <a:xfrm>
+            <a:off x="305375" y="3463976"/>
+            <a:ext cx="4362450" cy="1034524"/>
+          </a:xfrm>
+          <a:prstGeom prst="rect">
+            <a:avLst/>
+          </a:prstGeom>
+        </p:spPr>
+      </p:pic>
+      <p:sp>
+        <p:nvSpPr>
+          <p:cNvPr id="17" name="Google Shape;393;p57">
+            <a:extLst>
+              <a:ext uri="{FF2B5EF4-FFF2-40B4-BE49-F238E27FC236}">
+                <a16:creationId xmlns:a16="http://schemas.microsoft.com/office/drawing/2014/main" id="{2011C23E-579A-4EA1-ADA6-E4B97DA758F1}"/>
+              </a:ext>
+            </a:extLst>
+          </p:cNvPr>
+          <p:cNvSpPr/>
+          <p:nvPr/>
+        </p:nvSpPr>
+        <p:spPr>
+          <a:xfrm>
+            <a:off x="305375" y="3463976"/>
+            <a:ext cx="4362450" cy="1034524"/>
           </a:xfrm>
           <a:prstGeom prst="rect">
             <a:avLst/>
@@ -46687,80 +46751,6 @@
           <a:chExt cx="0" cy="0"/>
         </a:xfrm>
       </p:grpSpPr>
-      <p:pic>
-        <p:nvPicPr>
-          <p:cNvPr id="8" name="Picture 7">
-            <a:extLst>
-              <a:ext uri="{FF2B5EF4-FFF2-40B4-BE49-F238E27FC236}">
-                <a16:creationId xmlns:a16="http://schemas.microsoft.com/office/drawing/2014/main" id="{AEF2DCF6-2B1C-F846-9958-55D7E3082638}"/>
-              </a:ext>
-            </a:extLst>
-          </p:cNvPr>
-          <p:cNvPicPr>
-            <a:picLocks noChangeAspect="1"/>
-          </p:cNvPicPr>
-          <p:nvPr/>
-        </p:nvPicPr>
-        <p:blipFill>
-          <a:blip r:embed="rId3"/>
-          <a:stretch>
-            <a:fillRect/>
-          </a:stretch>
-        </p:blipFill>
-        <p:spPr>
-          <a:xfrm>
-            <a:off x="1094499" y="1911657"/>
-            <a:ext cx="3293399" cy="2240045"/>
-          </a:xfrm>
-          <a:prstGeom prst="rect">
-            <a:avLst/>
-          </a:prstGeom>
-        </p:spPr>
-      </p:pic>
-      <p:sp>
-        <p:nvSpPr>
-          <p:cNvPr id="393" name="Google Shape;393;p57"/>
-          <p:cNvSpPr/>
-          <p:nvPr/>
-        </p:nvSpPr>
-        <p:spPr>
-          <a:xfrm>
-            <a:off x="1094500" y="1911658"/>
-            <a:ext cx="3293400" cy="2240044"/>
-          </a:xfrm>
-          <a:prstGeom prst="rect">
-            <a:avLst/>
-          </a:prstGeom>
-          <a:noFill/>
-          <a:ln w="28575" cap="flat" cmpd="sng">
-            <a:solidFill>
-              <a:schemeClr val="dk2"/>
-            </a:solidFill>
-            <a:prstDash val="solid"/>
-            <a:round/>
-            <a:headEnd type="none" w="sm" len="sm"/>
-            <a:tailEnd type="none" w="sm" len="sm"/>
-          </a:ln>
-        </p:spPr>
-        <p:txBody>
-          <a:bodyPr spcFirstLastPara="1" wrap="square" lIns="91425" tIns="91425" rIns="91425" bIns="91425" anchor="ctr" anchorCtr="0">
-            <a:noAutofit/>
-          </a:bodyPr>
-          <a:lstStyle/>
-          <a:p>
-            <a:pPr marL="0" lvl="0" indent="0" algn="l" rtl="0">
-              <a:spcBef>
-                <a:spcPts val="0"/>
-              </a:spcBef>
-              <a:spcAft>
-                <a:spcPts val="0"/>
-              </a:spcAft>
-              <a:buNone/>
-            </a:pPr>
-            <a:endParaRPr/>
-          </a:p>
-        </p:txBody>
-      </p:sp>
       <p:sp>
         <p:nvSpPr>
           <p:cNvPr id="398" name="Google Shape;398;p57"/>
@@ -46773,7 +46763,7 @@
         </p:nvSpPr>
         <p:spPr>
           <a:xfrm>
-            <a:off x="2646000" y="381600"/>
+            <a:off x="2860600" y="96476"/>
             <a:ext cx="5778000" cy="834900"/>
           </a:xfrm>
           <a:prstGeom prst="rect">
@@ -46815,7 +46805,7 @@
         </p:nvSpPr>
         <p:spPr>
           <a:xfrm>
-            <a:off x="4484875" y="2117672"/>
+            <a:off x="4572000" y="3164521"/>
             <a:ext cx="3877500" cy="1828013"/>
           </a:xfrm>
           <a:prstGeom prst="rect">
@@ -46849,6 +46839,246 @@
           </a:p>
         </p:txBody>
       </p:sp>
+      <p:pic>
+        <p:nvPicPr>
+          <p:cNvPr id="4" name="Picture 3">
+            <a:extLst>
+              <a:ext uri="{FF2B5EF4-FFF2-40B4-BE49-F238E27FC236}">
+                <a16:creationId xmlns:a16="http://schemas.microsoft.com/office/drawing/2014/main" id="{9F6E8924-AABB-4B2F-BC78-C0D9CBC31624}"/>
+              </a:ext>
+            </a:extLst>
+          </p:cNvPr>
+          <p:cNvPicPr>
+            <a:picLocks noChangeAspect="1"/>
+          </p:cNvPicPr>
+          <p:nvPr/>
+        </p:nvPicPr>
+        <p:blipFill>
+          <a:blip r:embed="rId3"/>
+          <a:stretch>
+            <a:fillRect/>
+          </a:stretch>
+        </p:blipFill>
+        <p:spPr>
+          <a:xfrm>
+            <a:off x="783260" y="150730"/>
+            <a:ext cx="3279212" cy="2240044"/>
+          </a:xfrm>
+          <a:prstGeom prst="rect">
+            <a:avLst/>
+          </a:prstGeom>
+        </p:spPr>
+      </p:pic>
+      <p:sp>
+        <p:nvSpPr>
+          <p:cNvPr id="14" name="Google Shape;393;p57">
+            <a:extLst>
+              <a:ext uri="{FF2B5EF4-FFF2-40B4-BE49-F238E27FC236}">
+                <a16:creationId xmlns:a16="http://schemas.microsoft.com/office/drawing/2014/main" id="{E19E2E8D-78AE-46F7-AF85-7E4BBFD522FC}"/>
+              </a:ext>
+            </a:extLst>
+          </p:cNvPr>
+          <p:cNvSpPr/>
+          <p:nvPr/>
+        </p:nvSpPr>
+        <p:spPr>
+          <a:xfrm>
+            <a:off x="783260" y="150730"/>
+            <a:ext cx="3293400" cy="2240044"/>
+          </a:xfrm>
+          <a:prstGeom prst="rect">
+            <a:avLst/>
+          </a:prstGeom>
+          <a:noFill/>
+          <a:ln w="28575" cap="flat" cmpd="sng">
+            <a:solidFill>
+              <a:schemeClr val="dk2"/>
+            </a:solidFill>
+            <a:prstDash val="solid"/>
+            <a:round/>
+            <a:headEnd type="none" w="sm" len="sm"/>
+            <a:tailEnd type="none" w="sm" len="sm"/>
+          </a:ln>
+        </p:spPr>
+        <p:txBody>
+          <a:bodyPr spcFirstLastPara="1" wrap="square" lIns="91425" tIns="91425" rIns="91425" bIns="91425" anchor="ctr" anchorCtr="0">
+            <a:noAutofit/>
+          </a:bodyPr>
+          <a:lstStyle/>
+          <a:p>
+            <a:pPr marL="0" lvl="0" indent="0" algn="l" rtl="0">
+              <a:spcBef>
+                <a:spcPts val="0"/>
+              </a:spcBef>
+              <a:spcAft>
+                <a:spcPts val="0"/>
+              </a:spcAft>
+              <a:buNone/>
+            </a:pPr>
+            <a:endParaRPr/>
+          </a:p>
+        </p:txBody>
+      </p:sp>
+      <p:pic>
+        <p:nvPicPr>
+          <p:cNvPr id="5" name="Picture 4">
+            <a:extLst>
+              <a:ext uri="{FF2B5EF4-FFF2-40B4-BE49-F238E27FC236}">
+                <a16:creationId xmlns:a16="http://schemas.microsoft.com/office/drawing/2014/main" id="{ED4EC7DA-6457-46FB-8D1B-85419588C95F}"/>
+              </a:ext>
+            </a:extLst>
+          </p:cNvPr>
+          <p:cNvPicPr>
+            <a:picLocks noChangeAspect="1"/>
+          </p:cNvPicPr>
+          <p:nvPr/>
+        </p:nvPicPr>
+        <p:blipFill>
+          <a:blip r:embed="rId4"/>
+          <a:stretch>
+            <a:fillRect/>
+          </a:stretch>
+        </p:blipFill>
+        <p:spPr>
+          <a:xfrm>
+            <a:off x="783260" y="2752490"/>
+            <a:ext cx="3279212" cy="2240280"/>
+          </a:xfrm>
+          <a:prstGeom prst="rect">
+            <a:avLst/>
+          </a:prstGeom>
+        </p:spPr>
+      </p:pic>
+      <p:sp>
+        <p:nvSpPr>
+          <p:cNvPr id="16" name="Google Shape;393;p57">
+            <a:extLst>
+              <a:ext uri="{FF2B5EF4-FFF2-40B4-BE49-F238E27FC236}">
+                <a16:creationId xmlns:a16="http://schemas.microsoft.com/office/drawing/2014/main" id="{7B3EEF50-FF7D-4C77-BBF4-F7751F5EA5C7}"/>
+              </a:ext>
+            </a:extLst>
+          </p:cNvPr>
+          <p:cNvSpPr/>
+          <p:nvPr/>
+        </p:nvSpPr>
+        <p:spPr>
+          <a:xfrm>
+            <a:off x="783260" y="2752490"/>
+            <a:ext cx="3293400" cy="2240044"/>
+          </a:xfrm>
+          <a:prstGeom prst="rect">
+            <a:avLst/>
+          </a:prstGeom>
+          <a:noFill/>
+          <a:ln w="28575" cap="flat" cmpd="sng">
+            <a:solidFill>
+              <a:schemeClr val="dk2"/>
+            </a:solidFill>
+            <a:prstDash val="solid"/>
+            <a:round/>
+            <a:headEnd type="none" w="sm" len="sm"/>
+            <a:tailEnd type="none" w="sm" len="sm"/>
+          </a:ln>
+        </p:spPr>
+        <p:txBody>
+          <a:bodyPr spcFirstLastPara="1" wrap="square" lIns="91425" tIns="91425" rIns="91425" bIns="91425" anchor="ctr" anchorCtr="0">
+            <a:noAutofit/>
+          </a:bodyPr>
+          <a:lstStyle/>
+          <a:p>
+            <a:pPr marL="0" lvl="0" indent="0" algn="l" rtl="0">
+              <a:spcBef>
+                <a:spcPts val="0"/>
+              </a:spcBef>
+              <a:spcAft>
+                <a:spcPts val="0"/>
+              </a:spcAft>
+              <a:buNone/>
+            </a:pPr>
+            <a:endParaRPr/>
+          </a:p>
+        </p:txBody>
+      </p:sp>
+      <p:pic>
+        <p:nvPicPr>
+          <p:cNvPr id="11" name="Picture 10">
+            <a:extLst>
+              <a:ext uri="{FF2B5EF4-FFF2-40B4-BE49-F238E27FC236}">
+                <a16:creationId xmlns:a16="http://schemas.microsoft.com/office/drawing/2014/main" id="{EB8A614B-CAAF-4310-BBA4-2C1E1F0E0119}"/>
+              </a:ext>
+            </a:extLst>
+          </p:cNvPr>
+          <p:cNvPicPr>
+            <a:picLocks noChangeAspect="1"/>
+          </p:cNvPicPr>
+          <p:nvPr/>
+        </p:nvPicPr>
+        <p:blipFill>
+          <a:blip r:embed="rId5"/>
+          <a:stretch>
+            <a:fillRect/>
+          </a:stretch>
+        </p:blipFill>
+        <p:spPr>
+          <a:xfrm>
+            <a:off x="5053150" y="810853"/>
+            <a:ext cx="3282696" cy="2240280"/>
+          </a:xfrm>
+          <a:prstGeom prst="rect">
+            <a:avLst/>
+          </a:prstGeom>
+        </p:spPr>
+      </p:pic>
+      <p:sp>
+        <p:nvSpPr>
+          <p:cNvPr id="19" name="Google Shape;393;p57">
+            <a:extLst>
+              <a:ext uri="{FF2B5EF4-FFF2-40B4-BE49-F238E27FC236}">
+                <a16:creationId xmlns:a16="http://schemas.microsoft.com/office/drawing/2014/main" id="{B93AA7C2-7CF4-4C3E-B4D5-A772E9AEA4A7}"/>
+              </a:ext>
+            </a:extLst>
+          </p:cNvPr>
+          <p:cNvSpPr/>
+          <p:nvPr/>
+        </p:nvSpPr>
+        <p:spPr>
+          <a:xfrm>
+            <a:off x="5048823" y="810853"/>
+            <a:ext cx="3293400" cy="2240044"/>
+          </a:xfrm>
+          <a:prstGeom prst="rect">
+            <a:avLst/>
+          </a:prstGeom>
+          <a:noFill/>
+          <a:ln w="28575" cap="flat" cmpd="sng">
+            <a:solidFill>
+              <a:schemeClr val="dk2"/>
+            </a:solidFill>
+            <a:prstDash val="solid"/>
+            <a:round/>
+            <a:headEnd type="none" w="sm" len="sm"/>
+            <a:tailEnd type="none" w="sm" len="sm"/>
+          </a:ln>
+        </p:spPr>
+        <p:txBody>
+          <a:bodyPr spcFirstLastPara="1" wrap="square" lIns="91425" tIns="91425" rIns="91425" bIns="91425" anchor="ctr" anchorCtr="0">
+            <a:noAutofit/>
+          </a:bodyPr>
+          <a:lstStyle/>
+          <a:p>
+            <a:pPr marL="0" lvl="0" indent="0" algn="l" rtl="0">
+              <a:spcBef>
+                <a:spcPts val="0"/>
+              </a:spcBef>
+              <a:spcAft>
+                <a:spcPts val="0"/>
+              </a:spcAft>
+              <a:buNone/>
+            </a:pPr>
+            <a:endParaRPr/>
+          </a:p>
+        </p:txBody>
+      </p:sp>
     </p:spTree>
     <p:extLst>
       <p:ext uri="{BB962C8B-B14F-4D97-AF65-F5344CB8AC3E}">
@@ -46879,12 +47109,87 @@
           <a:chExt cx="0" cy="0"/>
         </a:xfrm>
       </p:grpSpPr>
+      <p:sp>
+        <p:nvSpPr>
+          <p:cNvPr id="398" name="Google Shape;398;p57"/>
+          <p:cNvSpPr txBox="1">
+            <a:spLocks noGrp="1"/>
+          </p:cNvSpPr>
+          <p:nvPr>
+            <p:ph type="title"/>
+          </p:nvPr>
+        </p:nvSpPr>
+        <p:spPr>
+          <a:xfrm>
+            <a:off x="2855602" y="241464"/>
+            <a:ext cx="5778000" cy="834900"/>
+          </a:xfrm>
+          <a:prstGeom prst="rect">
+            <a:avLst/>
+          </a:prstGeom>
+        </p:spPr>
+        <p:txBody>
+          <a:bodyPr spcFirstLastPara="1" wrap="square" lIns="91425" tIns="91425" rIns="91425" bIns="91425" anchor="t" anchorCtr="0">
+            <a:noAutofit/>
+          </a:bodyPr>
+          <a:lstStyle/>
+          <a:p>
+            <a:pPr marL="0" lvl="0" indent="0" algn="r" rtl="0">
+              <a:spcBef>
+                <a:spcPts val="0"/>
+              </a:spcBef>
+              <a:spcAft>
+                <a:spcPts val="0"/>
+              </a:spcAft>
+              <a:buNone/>
+            </a:pPr>
+            <a:r>
+              <a:rPr lang="en" dirty="0"/>
+              <a:t>RESULTS</a:t>
+            </a:r>
+            <a:endParaRPr dirty="0"/>
+          </a:p>
+        </p:txBody>
+      </p:sp>
+      <p:sp>
+        <p:nvSpPr>
+          <p:cNvPr id="401" name="Google Shape;401;p57"/>
+          <p:cNvSpPr txBox="1">
+            <a:spLocks noGrp="1"/>
+          </p:cNvSpPr>
+          <p:nvPr>
+            <p:ph type="subTitle" idx="3"/>
+          </p:nvPr>
+        </p:nvSpPr>
+        <p:spPr>
+          <a:xfrm>
+            <a:off x="4756102" y="3251507"/>
+            <a:ext cx="3877500" cy="1510393"/>
+          </a:xfrm>
+          <a:prstGeom prst="rect">
+            <a:avLst/>
+          </a:prstGeom>
+        </p:spPr>
+        <p:txBody>
+          <a:bodyPr spcFirstLastPara="1" wrap="square" lIns="91425" tIns="91425" rIns="91425" bIns="91425" anchor="t" anchorCtr="0">
+            <a:noAutofit/>
+          </a:bodyPr>
+          <a:lstStyle/>
+          <a:p>
+            <a:pPr marL="0" lvl="0" indent="0"/>
+            <a:r>
+              <a:rPr lang="en-US" dirty="0"/>
+              <a:t>Root mean square prediction error was around $25k – 31k range for each model. This includes the error for the manual validation and the OOB sets.</a:t>
+            </a:r>
+          </a:p>
+        </p:txBody>
+      </p:sp>
       <p:pic>
         <p:nvPicPr>
-          <p:cNvPr id="3" name="Picture 2">
+          <p:cNvPr id="2" name="Picture 1">
             <a:extLst>
               <a:ext uri="{FF2B5EF4-FFF2-40B4-BE49-F238E27FC236}">
-                <a16:creationId xmlns:a16="http://schemas.microsoft.com/office/drawing/2014/main" id="{0C63A234-0936-4446-BB1B-DC4168139D4B}"/>
+                <a16:creationId xmlns:a16="http://schemas.microsoft.com/office/drawing/2014/main" id="{2984B67E-3BBB-45E4-9350-8D4FADA81A7F}"/>
               </a:ext>
             </a:extLst>
           </p:cNvPr>
@@ -46901,8 +47206,8 @@
         </p:blipFill>
         <p:spPr>
           <a:xfrm>
-            <a:off x="1118372" y="1826531"/>
-            <a:ext cx="3253200" cy="2228032"/>
+            <a:off x="1004652" y="264415"/>
+            <a:ext cx="3282696" cy="2240280"/>
           </a:xfrm>
           <a:prstGeom prst="rect">
             <a:avLst/>
@@ -46911,13 +47216,19 @@
       </p:pic>
       <p:sp>
         <p:nvSpPr>
-          <p:cNvPr id="393" name="Google Shape;393;p57"/>
+          <p:cNvPr id="7" name="Google Shape;393;p57">
+            <a:extLst>
+              <a:ext uri="{FF2B5EF4-FFF2-40B4-BE49-F238E27FC236}">
+                <a16:creationId xmlns:a16="http://schemas.microsoft.com/office/drawing/2014/main" id="{51208168-A9B6-44E2-9086-545AF9584DFE}"/>
+              </a:ext>
+            </a:extLst>
+          </p:cNvPr>
           <p:cNvSpPr/>
           <p:nvPr/>
         </p:nvSpPr>
         <p:spPr>
           <a:xfrm>
-            <a:off x="1094500" y="1805522"/>
+            <a:off x="1004652" y="247490"/>
             <a:ext cx="3293400" cy="2257205"/>
           </a:xfrm>
           <a:prstGeom prst="rect">
@@ -46953,32 +47264,74 @@
           </a:p>
         </p:txBody>
       </p:sp>
-      <p:sp>
-        <p:nvSpPr>
-          <p:cNvPr id="398" name="Google Shape;398;p57"/>
-          <p:cNvSpPr txBox="1">
-            <a:spLocks noGrp="1"/>
-          </p:cNvSpPr>
-          <p:nvPr>
-            <p:ph type="title"/>
-          </p:nvPr>
-        </p:nvSpPr>
+      <p:pic>
+        <p:nvPicPr>
+          <p:cNvPr id="4" name="Picture 3">
+            <a:extLst>
+              <a:ext uri="{FF2B5EF4-FFF2-40B4-BE49-F238E27FC236}">
+                <a16:creationId xmlns:a16="http://schemas.microsoft.com/office/drawing/2014/main" id="{E0854BE3-3E3F-40F8-9DE5-85AD82A812DD}"/>
+              </a:ext>
+            </a:extLst>
+          </p:cNvPr>
+          <p:cNvPicPr>
+            <a:picLocks/>
+          </p:cNvPicPr>
+          <p:nvPr/>
+        </p:nvPicPr>
+        <p:blipFill>
+          <a:blip r:embed="rId4"/>
+          <a:stretch>
+            <a:fillRect/>
+          </a:stretch>
+        </p:blipFill>
         <p:spPr>
           <a:xfrm>
-            <a:off x="2646000" y="381600"/>
-            <a:ext cx="5778000" cy="834900"/>
+            <a:off x="1004652" y="2638805"/>
+            <a:ext cx="3282696" cy="2240280"/>
           </a:xfrm>
           <a:prstGeom prst="rect">
             <a:avLst/>
           </a:prstGeom>
         </p:spPr>
+      </p:pic>
+      <p:sp>
+        <p:nvSpPr>
+          <p:cNvPr id="9" name="Google Shape;393;p57">
+            <a:extLst>
+              <a:ext uri="{FF2B5EF4-FFF2-40B4-BE49-F238E27FC236}">
+                <a16:creationId xmlns:a16="http://schemas.microsoft.com/office/drawing/2014/main" id="{8698E974-16F1-4582-A48C-25E6FDD91622}"/>
+              </a:ext>
+            </a:extLst>
+          </p:cNvPr>
+          <p:cNvSpPr/>
+          <p:nvPr/>
+        </p:nvSpPr>
+        <p:spPr>
+          <a:xfrm>
+            <a:off x="1004652" y="2621880"/>
+            <a:ext cx="3293400" cy="2257205"/>
+          </a:xfrm>
+          <a:prstGeom prst="rect">
+            <a:avLst/>
+          </a:prstGeom>
+          <a:noFill/>
+          <a:ln w="28575" cap="flat" cmpd="sng">
+            <a:solidFill>
+              <a:schemeClr val="dk2"/>
+            </a:solidFill>
+            <a:prstDash val="solid"/>
+            <a:round/>
+            <a:headEnd type="none" w="sm" len="sm"/>
+            <a:tailEnd type="none" w="sm" len="sm"/>
+          </a:ln>
+        </p:spPr>
         <p:txBody>
-          <a:bodyPr spcFirstLastPara="1" wrap="square" lIns="91425" tIns="91425" rIns="91425" bIns="91425" anchor="t" anchorCtr="0">
+          <a:bodyPr spcFirstLastPara="1" wrap="square" lIns="91425" tIns="91425" rIns="91425" bIns="91425" anchor="ctr" anchorCtr="0">
             <a:noAutofit/>
           </a:bodyPr>
           <a:lstStyle/>
           <a:p>
-            <a:pPr marL="0" lvl="0" indent="0" algn="r" rtl="0">
+            <a:pPr marL="0" lvl="0" indent="0" algn="l" rtl="0">
               <a:spcBef>
                 <a:spcPts val="0"/>
               </a:spcBef>
@@ -46987,44 +47340,87 @@
               </a:spcAft>
               <a:buNone/>
             </a:pPr>
-            <a:r>
-              <a:rPr lang="en" dirty="0"/>
-              <a:t>RESULTS</a:t>
-            </a:r>
-            <a:endParaRPr dirty="0"/>
+            <a:endParaRPr/>
           </a:p>
         </p:txBody>
       </p:sp>
-      <p:sp>
-        <p:nvSpPr>
-          <p:cNvPr id="401" name="Google Shape;401;p57"/>
-          <p:cNvSpPr txBox="1">
-            <a:spLocks noGrp="1"/>
-          </p:cNvSpPr>
-          <p:nvPr>
-            <p:ph type="subTitle" idx="3"/>
-          </p:nvPr>
-        </p:nvSpPr>
+      <p:pic>
+        <p:nvPicPr>
+          <p:cNvPr id="5" name="Picture 4">
+            <a:extLst>
+              <a:ext uri="{FF2B5EF4-FFF2-40B4-BE49-F238E27FC236}">
+                <a16:creationId xmlns:a16="http://schemas.microsoft.com/office/drawing/2014/main" id="{BD422094-3B86-4856-AFE2-579C5DA8D82A}"/>
+              </a:ext>
+            </a:extLst>
+          </p:cNvPr>
+          <p:cNvPicPr>
+            <a:picLocks/>
+          </p:cNvPicPr>
+          <p:nvPr/>
+        </p:nvPicPr>
+        <p:blipFill>
+          <a:blip r:embed="rId5"/>
+          <a:stretch>
+            <a:fillRect/>
+          </a:stretch>
+        </p:blipFill>
         <p:spPr>
           <a:xfrm>
-            <a:off x="4484875" y="2114549"/>
-            <a:ext cx="3877500" cy="1510393"/>
+            <a:off x="5053504" y="1011227"/>
+            <a:ext cx="3282696" cy="2240280"/>
           </a:xfrm>
           <a:prstGeom prst="rect">
             <a:avLst/>
           </a:prstGeom>
         </p:spPr>
+      </p:pic>
+      <p:sp>
+        <p:nvSpPr>
+          <p:cNvPr id="11" name="Google Shape;393;p57">
+            <a:extLst>
+              <a:ext uri="{FF2B5EF4-FFF2-40B4-BE49-F238E27FC236}">
+                <a16:creationId xmlns:a16="http://schemas.microsoft.com/office/drawing/2014/main" id="{FA639CF3-954D-449A-AAEB-6A418D3E200E}"/>
+              </a:ext>
+            </a:extLst>
+          </p:cNvPr>
+          <p:cNvSpPr/>
+          <p:nvPr/>
+        </p:nvSpPr>
+        <p:spPr>
+          <a:xfrm>
+            <a:off x="5042800" y="994302"/>
+            <a:ext cx="3293400" cy="2257205"/>
+          </a:xfrm>
+          <a:prstGeom prst="rect">
+            <a:avLst/>
+          </a:prstGeom>
+          <a:noFill/>
+          <a:ln w="28575" cap="flat" cmpd="sng">
+            <a:solidFill>
+              <a:schemeClr val="dk2"/>
+            </a:solidFill>
+            <a:prstDash val="solid"/>
+            <a:round/>
+            <a:headEnd type="none" w="sm" len="sm"/>
+            <a:tailEnd type="none" w="sm" len="sm"/>
+          </a:ln>
+        </p:spPr>
         <p:txBody>
-          <a:bodyPr spcFirstLastPara="1" wrap="square" lIns="91425" tIns="91425" rIns="91425" bIns="91425" anchor="t" anchorCtr="0">
+          <a:bodyPr spcFirstLastPara="1" wrap="square" lIns="91425" tIns="91425" rIns="91425" bIns="91425" anchor="ctr" anchorCtr="0">
             <a:noAutofit/>
           </a:bodyPr>
           <a:lstStyle/>
           <a:p>
-            <a:pPr marL="0" lvl="0" indent="0"/>
-            <a:r>
-              <a:rPr lang="en-US" dirty="0"/>
-              <a:t>Root mean square prediction error was around $25k – 30k range for each model. This includes the error for both the manual validation and OOB sets.</a:t>
-            </a:r>
+            <a:pPr marL="0" lvl="0" indent="0" algn="l" rtl="0">
+              <a:spcBef>
+                <a:spcPts val="0"/>
+              </a:spcBef>
+              <a:spcAft>
+                <a:spcPts val="0"/>
+              </a:spcAft>
+              <a:buNone/>
+            </a:pPr>
+            <a:endParaRPr/>
           </a:p>
         </p:txBody>
       </p:sp>
